--- a/Project 1 - SAT and ACT Test Analysis/presentation slides/GA Project 1 Presentation  - SAT and ACT test analysis.pptx
+++ b/Project 1 - SAT and ACT Test Analysis/presentation slides/GA Project 1 Presentation  - SAT and ACT test analysis.pptx
@@ -448,7 +448,7 @@
             <a:fld id="{73C3BD54-29B9-3D42-B178-776ED395AA85}" type="datetimeFigureOut">
               <a:rPr lang="en-US" smtClean="0"/>
               <a:pPr/>
-              <a:t>12/12/2021</a:t>
+              <a:t>12/13/2021</a:t>
             </a:fld>
             <a:endParaRPr lang="en-US" sz="1400"/>
           </a:p>
@@ -698,7 +698,7 @@
           <a:p>
             <a:fld id="{73C3BD54-29B9-3D42-B178-776ED395AA85}" type="datetimeFigureOut">
               <a:rPr lang="en-US" smtClean="0"/>
-              <a:t>12/12/2021</a:t>
+              <a:t>12/13/2021</a:t>
             </a:fld>
             <a:endParaRPr lang="en-US"/>
           </a:p>
@@ -1012,7 +1012,7 @@
           <a:p>
             <a:fld id="{73C3BD54-29B9-3D42-B178-776ED395AA85}" type="datetimeFigureOut">
               <a:rPr lang="en-US" smtClean="0"/>
-              <a:t>12/12/2021</a:t>
+              <a:t>12/13/2021</a:t>
             </a:fld>
             <a:endParaRPr lang="en-US"/>
           </a:p>
@@ -1526,7 +1526,7 @@
           <a:p>
             <a:fld id="{73C3BD54-29B9-3D42-B178-776ED395AA85}" type="datetimeFigureOut">
               <a:rPr lang="en-US" smtClean="0"/>
-              <a:t>12/12/2021</a:t>
+              <a:t>12/13/2021</a:t>
             </a:fld>
             <a:endParaRPr lang="en-US"/>
           </a:p>
@@ -1957,7 +1957,7 @@
           <a:p>
             <a:fld id="{73C3BD54-29B9-3D42-B178-776ED395AA85}" type="datetimeFigureOut">
               <a:rPr lang="en-US" smtClean="0"/>
-              <a:t>12/12/2021</a:t>
+              <a:t>12/13/2021</a:t>
             </a:fld>
             <a:endParaRPr lang="en-US"/>
           </a:p>
@@ -2222,7 +2222,7 @@
           <a:p>
             <a:fld id="{73C3BD54-29B9-3D42-B178-776ED395AA85}" type="datetimeFigureOut">
               <a:rPr lang="en-US" smtClean="0"/>
-              <a:t>12/12/2021</a:t>
+              <a:t>12/13/2021</a:t>
             </a:fld>
             <a:endParaRPr lang="en-US"/>
           </a:p>
@@ -2796,7 +2796,7 @@
           <a:p>
             <a:fld id="{73C3BD54-29B9-3D42-B178-776ED395AA85}" type="datetimeFigureOut">
               <a:rPr lang="en-US" smtClean="0"/>
-              <a:t>12/12/2021</a:t>
+              <a:t>12/13/2021</a:t>
             </a:fld>
             <a:endParaRPr lang="en-US"/>
           </a:p>
@@ -3099,7 +3099,7 @@
           <a:p>
             <a:fld id="{73C3BD54-29B9-3D42-B178-776ED395AA85}" type="datetimeFigureOut">
               <a:rPr lang="en-US" smtClean="0"/>
-              <a:t>12/12/2021</a:t>
+              <a:t>12/13/2021</a:t>
             </a:fld>
             <a:endParaRPr lang="en-US"/>
           </a:p>
@@ -3374,7 +3374,7 @@
           <a:p>
             <a:fld id="{73C3BD54-29B9-3D42-B178-776ED395AA85}" type="datetimeFigureOut">
               <a:rPr lang="en-US" smtClean="0"/>
-              <a:t>12/12/2021</a:t>
+              <a:t>12/13/2021</a:t>
             </a:fld>
             <a:endParaRPr lang="en-US"/>
           </a:p>
@@ -3845,7 +3845,7 @@
           <a:p>
             <a:fld id="{73C3BD54-29B9-3D42-B178-776ED395AA85}" type="datetimeFigureOut">
               <a:rPr lang="en-US" smtClean="0"/>
-              <a:t>12/12/2021</a:t>
+              <a:t>12/13/2021</a:t>
             </a:fld>
             <a:endParaRPr lang="en-US"/>
           </a:p>
@@ -4296,7 +4296,7 @@
           <a:p>
             <a:fld id="{73C3BD54-29B9-3D42-B178-776ED395AA85}" type="datetimeFigureOut">
               <a:rPr lang="en-US" smtClean="0"/>
-              <a:t>12/12/2021</a:t>
+              <a:t>12/13/2021</a:t>
             </a:fld>
             <a:endParaRPr lang="en-US"/>
           </a:p>
@@ -4688,7 +4688,7 @@
             <a:fld id="{73C3BD54-29B9-3D42-B178-776ED395AA85}" type="datetimeFigureOut">
               <a:rPr lang="en-US" smtClean="0"/>
               <a:pPr/>
-              <a:t>12/12/2021</a:t>
+              <a:t>12/13/2021</a:t>
             </a:fld>
             <a:endParaRPr lang="en-US" dirty="0"/>
           </a:p>
@@ -13150,7 +13150,7 @@
           <a:p>
             <a:pPr algn="l"/>
             <a:r>
-              <a:rPr lang="en-US" dirty="0">
+              <a:rPr lang="en-US" sz="2000" dirty="0">
                 <a:solidFill>
                   <a:srgbClr val="000000"/>
                 </a:solidFill>
@@ -13165,7 +13165,7 @@
               <a:buChar char="•"/>
             </a:pPr>
             <a:r>
-              <a:rPr lang="en-US" dirty="0">
+              <a:rPr lang="en-US" sz="1800" dirty="0">
                 <a:solidFill>
                   <a:srgbClr val="000000"/>
                 </a:solidFill>
@@ -13180,7 +13180,22 @@
               <a:buChar char="•"/>
             </a:pPr>
             <a:r>
-              <a:rPr lang="en-US" dirty="0">
+              <a:rPr lang="en-US" sz="1800" dirty="0">
+                <a:solidFill>
+                  <a:srgbClr val="000000"/>
+                </a:solidFill>
+                <a:latin typeface="Helvetica Neue"/>
+              </a:rPr>
+              <a:t>To identify any odd values and clean the datasets</a:t>
+            </a:r>
+          </a:p>
+          <a:p>
+            <a:pPr lvl="1">
+              <a:buFont typeface="Arial" panose="020B0604020202020204" pitchFamily="34" charset="0"/>
+              <a:buChar char="•"/>
+            </a:pPr>
+            <a:r>
+              <a:rPr lang="en-US" sz="1800" dirty="0">
                 <a:solidFill>
                   <a:srgbClr val="000000"/>
                 </a:solidFill>
@@ -13195,7 +13210,7 @@
               <a:buChar char="•"/>
             </a:pPr>
             <a:r>
-              <a:rPr lang="en-US" dirty="0">
+              <a:rPr lang="en-US" sz="1800" dirty="0">
                 <a:solidFill>
                   <a:srgbClr val="000000"/>
                 </a:solidFill>
@@ -13207,20 +13222,36 @@
           <a:p>
             <a:pPr algn="l"/>
             <a:r>
-              <a:rPr lang="en-US" b="0" i="0" dirty="0">
+              <a:rPr lang="en-US" sz="2000" b="0" i="0" dirty="0">
                 <a:solidFill>
                   <a:srgbClr val="000000"/>
                 </a:solidFill>
                 <a:effectLst/>
                 <a:latin typeface="Helvetica Neue"/>
               </a:rPr>
-              <a:t>Exploratory Data Analysis</a:t>
+              <a:t>Exploratory Data Analysis (EDA)</a:t>
+            </a:r>
+          </a:p>
+          <a:p>
+            <a:pPr lvl="1">
+              <a:buFont typeface="Arial" panose="020B0604020202020204" pitchFamily="34" charset="0"/>
+              <a:buChar char="•"/>
+            </a:pPr>
+            <a:r>
+              <a:rPr lang="en-US" sz="1800" b="0" i="0" dirty="0">
+                <a:solidFill>
+                  <a:srgbClr val="000000"/>
+                </a:solidFill>
+                <a:effectLst/>
+                <a:latin typeface="Helvetica Neue"/>
+              </a:rPr>
+              <a:t>Checking of summary statistics for the dataset and to identify certain trends via sorting within certain ranges and finding the minimums and maximums.</a:t>
             </a:r>
           </a:p>
           <a:p>
             <a:pPr algn="l"/>
             <a:r>
-              <a:rPr lang="en-US" dirty="0">
+              <a:rPr lang="en-US" sz="2000" dirty="0">
                 <a:solidFill>
                   <a:srgbClr val="000000"/>
                 </a:solidFill>
@@ -13230,14 +13261,20 @@
             </a:r>
           </a:p>
           <a:p>
-            <a:pPr algn="l"/>
-            <a:endParaRPr lang="en-SG" b="0" i="0" dirty="0">
-              <a:solidFill>
-                <a:srgbClr val="000000"/>
-              </a:solidFill>
-              <a:effectLst/>
-              <a:latin typeface="Helvetica Neue"/>
-            </a:endParaRPr>
+            <a:pPr lvl="1">
+              <a:buFont typeface="Arial" panose="020B0604020202020204" pitchFamily="34" charset="0"/>
+              <a:buChar char="•"/>
+            </a:pPr>
+            <a:r>
+              <a:rPr lang="en-SG" sz="1600" b="0" i="0" dirty="0">
+                <a:solidFill>
+                  <a:srgbClr val="000000"/>
+                </a:solidFill>
+                <a:effectLst/>
+                <a:latin typeface="Helvetica Neue"/>
+              </a:rPr>
+              <a:t>Plotting of the charts (histograms, scatter plots, box plots and bar charts) to further explain and illustrate the EDA insights gathered in the previous sections. </a:t>
+            </a:r>
           </a:p>
         </p:txBody>
       </p:sp>
